--- a/introduction-to-r/introduction-to-r-26-nov-2019.pptx
+++ b/introduction-to-r/introduction-to-r-26-nov-2019.pptx
@@ -5,10 +5,10 @@
     <p:sldMasterId id="2147483661" r:id="rId1"/>
   </p:sldMasterIdLst>
   <p:notesMasterIdLst>
-    <p:notesMasterId r:id="rId28"/>
+    <p:notesMasterId r:id="rId29"/>
   </p:notesMasterIdLst>
   <p:handoutMasterIdLst>
-    <p:handoutMasterId r:id="rId29"/>
+    <p:handoutMasterId r:id="rId30"/>
   </p:handoutMasterIdLst>
   <p:sldIdLst>
     <p:sldId id="256" r:id="rId2"/>
@@ -33,10 +33,11 @@
     <p:sldId id="288" r:id="rId21"/>
     <p:sldId id="277" r:id="rId22"/>
     <p:sldId id="278" r:id="rId23"/>
-    <p:sldId id="316" r:id="rId24"/>
-    <p:sldId id="317" r:id="rId25"/>
-    <p:sldId id="279" r:id="rId26"/>
-    <p:sldId id="280" r:id="rId27"/>
+    <p:sldId id="323" r:id="rId24"/>
+    <p:sldId id="316" r:id="rId25"/>
+    <p:sldId id="317" r:id="rId26"/>
+    <p:sldId id="279" r:id="rId27"/>
+    <p:sldId id="280" r:id="rId28"/>
   </p:sldIdLst>
   <p:sldSz cx="9144000" cy="6858000" type="screen4x3"/>
   <p:notesSz cx="6858000" cy="9144000"/>
@@ -3702,8 +3703,13 @@
             </a:br>
             <a:r>
               <a:rPr lang="en-AU" sz="2400" dirty="0"/>
-              <a:t>Introduction to R Workshop</a:t>
-            </a:r>
+              <a:t>Introduction to </a:t>
+            </a:r>
+            <a:r>
+              <a:rPr lang="en-AU" sz="2400"/>
+              <a:t>R Workshop</a:t>
+            </a:r>
+            <a:endParaRPr lang="en-AU" sz="2400" dirty="0"/>
           </a:p>
         </p:txBody>
       </p:sp>
@@ -3763,7 +3769,7 @@
         </p:blipFill>
         <p:spPr>
           <a:xfrm>
-            <a:off x="3468042" y="362909"/>
+            <a:off x="3490902" y="56038"/>
             <a:ext cx="2400300" cy="1447800"/>
           </a:xfrm>
           <a:prstGeom prst="rect">
@@ -3780,7 +3786,7 @@
         <p:spPr>
           <a:xfrm>
             <a:off x="163462" y="4063413"/>
-            <a:ext cx="8566464" cy="2031325"/>
+            <a:ext cx="8566464" cy="2585323"/>
           </a:xfrm>
           <a:prstGeom prst="rect">
             <a:avLst/>
@@ -3805,9 +3811,12 @@
               <a:rPr lang="en-AU" dirty="0">
                 <a:hlinkClick r:id="rId3"/>
               </a:rPr>
-              <a:t>http://bit.ly/rworkshop2015</a:t>
+              <a:t>https://github.com/jeromyanglim/acpid-2019-rtraining/archive/master.zip</a:t>
             </a:r>
             <a:endParaRPr lang="en-AU" dirty="0"/>
+          </a:p>
+          <a:p>
+            <a:endParaRPr lang="en-AU" b="1" dirty="0"/>
           </a:p>
           <a:p>
             <a:r>
@@ -3818,8 +3827,11 @@
           <a:p>
             <a:r>
               <a:rPr lang="en-AU" dirty="0"/>
-              <a:t>If you have issues accessing wi-fi or with installation, let us know.</a:t>
-            </a:r>
+              <a:t>If you have issues accessing wi-fi or with installation, let me know.</a:t>
+            </a:r>
+          </a:p>
+          <a:p>
+            <a:endParaRPr lang="en-AU" dirty="0"/>
           </a:p>
           <a:p>
             <a:r>
@@ -3832,7 +3844,7 @@
               <a:rPr lang="en-AU" dirty="0">
                 <a:hlinkClick r:id="rId4"/>
               </a:rPr>
-              <a:t>https://github.com/jeromyanglim/introduction-to-r-one-day-workshop</a:t>
+              <a:t>https://github.com/jeromyanglim/acpid-2019-rtraining</a:t>
             </a:r>
             <a:endParaRPr lang="en-AU" dirty="0"/>
           </a:p>
@@ -7087,13 +7099,8 @@
           <a:p>
             <a:r>
               <a:rPr lang="en-AU" dirty="0"/>
-              <a:t>We have illustrated R's functionality using common statistical </a:t>
-            </a:r>
-            <a:r>
-              <a:rPr lang="en-AU"/>
-              <a:t>models.</a:t>
-            </a:r>
-            <a:endParaRPr lang="en-AU" dirty="0"/>
+              <a:t>We have illustrated R's functionality using common statistical models.</a:t>
+            </a:r>
           </a:p>
           <a:p>
             <a:endParaRPr lang="en-AU" dirty="0"/>
@@ -7121,6 +7128,332 @@
 </file>
 
 <file path=ppt/slides/slide23.xml><?xml version="1.0" encoding="utf-8"?>
+<p:sld xmlns:a="http://schemas.openxmlformats.org/drawingml/2006/main" xmlns:r="http://schemas.openxmlformats.org/officeDocument/2006/relationships" xmlns:p="http://schemas.openxmlformats.org/presentationml/2006/main">
+  <p:cSld>
+    <p:spTree>
+      <p:nvGrpSpPr>
+        <p:cNvPr id="1" name=""/>
+        <p:cNvGrpSpPr/>
+        <p:nvPr/>
+      </p:nvGrpSpPr>
+      <p:grpSpPr>
+        <a:xfrm>
+          <a:off x="0" y="0"/>
+          <a:ext cx="0" cy="0"/>
+          <a:chOff x="0" y="0"/>
+          <a:chExt cx="0" cy="0"/>
+        </a:xfrm>
+      </p:grpSpPr>
+      <p:sp>
+        <p:nvSpPr>
+          <p:cNvPr id="2" name="Title 1">
+            <a:extLst>
+              <a:ext uri="{FF2B5EF4-FFF2-40B4-BE49-F238E27FC236}">
+                <a16:creationId xmlns:a16="http://schemas.microsoft.com/office/drawing/2014/main" id="{1FF2ED7E-97AB-6846-8BAB-0CA5C9854022}"/>
+              </a:ext>
+            </a:extLst>
+          </p:cNvPr>
+          <p:cNvSpPr>
+            <a:spLocks noGrp="1"/>
+          </p:cNvSpPr>
+          <p:nvPr>
+            <p:ph type="title"/>
+          </p:nvPr>
+        </p:nvSpPr>
+        <p:spPr/>
+        <p:txBody>
+          <a:bodyPr>
+            <a:normAutofit fontScale="90000"/>
+          </a:bodyPr>
+          <a:lstStyle/>
+          <a:p>
+            <a:r>
+              <a:rPr lang="en-US" dirty="0"/>
+              <a:t>My Example Personality Projects on OSF</a:t>
+            </a:r>
+          </a:p>
+        </p:txBody>
+      </p:sp>
+      <p:sp>
+        <p:nvSpPr>
+          <p:cNvPr id="3" name="Content Placeholder 2">
+            <a:extLst>
+              <a:ext uri="{FF2B5EF4-FFF2-40B4-BE49-F238E27FC236}">
+                <a16:creationId xmlns:a16="http://schemas.microsoft.com/office/drawing/2014/main" id="{7111F8AB-F81C-C24F-BABD-130056DB62D7}"/>
+              </a:ext>
+            </a:extLst>
+          </p:cNvPr>
+          <p:cNvSpPr>
+            <a:spLocks noGrp="1"/>
+          </p:cNvSpPr>
+          <p:nvPr>
+            <p:ph idx="1"/>
+          </p:nvPr>
+        </p:nvSpPr>
+        <p:spPr/>
+        <p:txBody>
+          <a:bodyPr>
+            <a:normAutofit fontScale="77500" lnSpcReduction="20000"/>
+          </a:bodyPr>
+          <a:lstStyle/>
+          <a:p>
+            <a:r>
+              <a:rPr lang="en-US" dirty="0"/>
+              <a:t>My Profile: </a:t>
+            </a:r>
+            <a:r>
+              <a:rPr lang="en-US" dirty="0">
+                <a:hlinkClick r:id="rId2"/>
+              </a:rPr>
+              <a:t>https://osf.io/d5gfc/</a:t>
+            </a:r>
+            <a:endParaRPr lang="en-US" dirty="0"/>
+          </a:p>
+          <a:p>
+            <a:r>
+              <a:rPr lang="en-US" dirty="0"/>
+              <a:t>All projects have complete R scripts with data that may provide useful demos of personality research projects.</a:t>
+            </a:r>
+          </a:p>
+          <a:p>
+            <a:endParaRPr lang="en-US" dirty="0"/>
+          </a:p>
+          <a:p>
+            <a:r>
+              <a:rPr lang="en-US" dirty="0"/>
+              <a:t>Anglim, J., </a:t>
+            </a:r>
+            <a:r>
+              <a:rPr lang="en-US" dirty="0" err="1"/>
+              <a:t>Sojo</a:t>
+            </a:r>
+            <a:r>
+              <a:rPr lang="en-US" dirty="0"/>
+              <a:t>, V., Ashford, L. J., Newman, A., &amp; Marty, A. (2019). Predicting Employee Attitudes to Workplace Diversity from Personality, Values, and Cognitive Ability. Journal of Research in Personality, 83, 103865. </a:t>
+            </a:r>
+            <a:r>
+              <a:rPr lang="en-US" dirty="0">
+                <a:hlinkClick r:id="rId3"/>
+              </a:rPr>
+              <a:t>https://osf.io/xdfq8/</a:t>
+            </a:r>
+            <a:endParaRPr lang="en-US" dirty="0"/>
+          </a:p>
+          <a:p>
+            <a:r>
+              <a:rPr lang="en-US" dirty="0"/>
+              <a:t>Anglim, J., Morse, G., Dunlop, P., Minbashian, A., Marty, A. (2019). Predicting Trait Emotional Intelligence from HEXACO Personality: Domains, Facets, and The General Factor of Personality. Journal of Personality. </a:t>
+            </a:r>
+            <a:r>
+              <a:rPr lang="en-US" dirty="0">
+                <a:hlinkClick r:id="rId4"/>
+              </a:rPr>
+              <a:t>https://osf.io/uwdgs/</a:t>
+            </a:r>
+            <a:endParaRPr lang="en-US" dirty="0"/>
+          </a:p>
+          <a:p>
+            <a:r>
+              <a:rPr lang="en-AU" dirty="0"/>
+              <a:t>Anglim, J., Lievens, F., Everton, L., Grant, S. L., Marty, A. (2018). HEXACO Personality Predicts Counterproductive Work </a:t>
+            </a:r>
+            <a:r>
+              <a:rPr lang="en-AU" dirty="0" err="1"/>
+              <a:t>Behavior</a:t>
+            </a:r>
+            <a:r>
+              <a:rPr lang="en-AU" dirty="0"/>
+              <a:t> and Organizational Citizenship </a:t>
+            </a:r>
+            <a:r>
+              <a:rPr lang="en-AU" dirty="0" err="1"/>
+              <a:t>Behavior</a:t>
+            </a:r>
+            <a:r>
+              <a:rPr lang="en-AU" dirty="0"/>
+              <a:t> in Low- Stakes and Job Applicant Contexts. </a:t>
+            </a:r>
+            <a:r>
+              <a:rPr lang="en-AU" i="1" dirty="0"/>
+              <a:t>Journal of Research in Personality</a:t>
+            </a:r>
+            <a:r>
+              <a:rPr lang="en-AU" dirty="0"/>
+              <a:t>. 77, 11-20. </a:t>
+            </a:r>
+            <a:r>
+              <a:rPr lang="en-AU" dirty="0">
+                <a:hlinkClick r:id="rId5"/>
+              </a:rPr>
+              <a:t>https://osf.io/wa6yj/</a:t>
+            </a:r>
+            <a:endParaRPr lang="en-AU" dirty="0"/>
+          </a:p>
+          <a:p>
+            <a:r>
+              <a:rPr lang="en-AU" dirty="0"/>
+              <a:t>Anglim, J., Morse, G., De Vries, R, E., </a:t>
+            </a:r>
+            <a:r>
+              <a:rPr lang="en-AU" dirty="0" err="1"/>
+              <a:t>MacCann</a:t>
+            </a:r>
+            <a:r>
+              <a:rPr lang="en-AU" dirty="0"/>
+              <a:t>, C. &amp; Marty, A. (2017). Comparing Job Applicants to Non-Applicants Using an Item- Level Bifactor Model on the HEXACO Personality Inventory. </a:t>
+            </a:r>
+            <a:r>
+              <a:rPr lang="en-AU" i="1" dirty="0"/>
+              <a:t>European Journal of Personality, 31, </a:t>
+            </a:r>
+            <a:r>
+              <a:rPr lang="en-AU" dirty="0"/>
+              <a:t>669-684. </a:t>
+            </a:r>
+            <a:r>
+              <a:rPr lang="en-AU" dirty="0">
+                <a:hlinkClick r:id="rId6"/>
+              </a:rPr>
+              <a:t>https://osf.io/9e3a9/</a:t>
+            </a:r>
+            <a:endParaRPr lang="en-AU" dirty="0"/>
+          </a:p>
+          <a:p>
+            <a:r>
+              <a:rPr lang="en-AU" dirty="0"/>
+              <a:t>Anglim, J., &amp; Grant, S. (2016). Predicting Psychological and Subjective Well-Being from Personality: Incremental Prediction from 30 Facets Over the Big 5. </a:t>
+            </a:r>
+            <a:r>
+              <a:rPr lang="en-AU" i="1" dirty="0"/>
+              <a:t>Journal of Happiness Studies</a:t>
+            </a:r>
+            <a:r>
+              <a:rPr lang="en-AU" dirty="0"/>
+              <a:t>, 17, 59-80. </a:t>
+            </a:r>
+            <a:r>
+              <a:rPr lang="en-AU" dirty="0">
+                <a:hlinkClick r:id="rId7"/>
+              </a:rPr>
+              <a:t>https://osf.io/cdh6a/</a:t>
+            </a:r>
+            <a:endParaRPr lang="en-AU" dirty="0"/>
+          </a:p>
+          <a:p>
+            <a:r>
+              <a:rPr lang="en-AU" dirty="0"/>
+              <a:t>Anglim, J., Weinberg, M. K., &amp; Cummins, R. A. (2015). Bayesian Hierarchical </a:t>
+            </a:r>
+            <a:r>
+              <a:rPr lang="en-AU" dirty="0" err="1"/>
+              <a:t>Modeling</a:t>
+            </a:r>
+            <a:r>
+              <a:rPr lang="en-AU" dirty="0"/>
+              <a:t> of the Temporal Dynamics of Subjective Well-Being: A 10 Year Longitudinal Analysis. </a:t>
+            </a:r>
+            <a:r>
+              <a:rPr lang="en-AU" i="1" dirty="0"/>
+              <a:t>Journal of Research in Personality, </a:t>
+            </a:r>
+            <a:r>
+              <a:rPr lang="en-AU" dirty="0"/>
+              <a:t>59, 1-14. </a:t>
+            </a:r>
+            <a:r>
+              <a:rPr lang="en-AU" dirty="0">
+                <a:hlinkClick r:id="rId8"/>
+              </a:rPr>
+              <a:t>https://osf.io/qcfnk/</a:t>
+            </a:r>
+            <a:endParaRPr lang="en-AU" dirty="0"/>
+          </a:p>
+          <a:p>
+            <a:r>
+              <a:rPr lang="en-AU" dirty="0"/>
+              <a:t>Horwood, S., &amp; Anglim, J. (2019). Problematic smartphone usage and subjective and psychological well-being. </a:t>
+            </a:r>
+            <a:r>
+              <a:rPr lang="en-AU" i="1" dirty="0"/>
+              <a:t>Computers in Human </a:t>
+            </a:r>
+            <a:r>
+              <a:rPr lang="en-AU" i="1" dirty="0" err="1"/>
+              <a:t>Behavior</a:t>
+            </a:r>
+            <a:r>
+              <a:rPr lang="en-AU" i="1" dirty="0"/>
+              <a:t>, 97, </a:t>
+            </a:r>
+            <a:r>
+              <a:rPr lang="en-AU" dirty="0"/>
+              <a:t>44-50. </a:t>
+            </a:r>
+            <a:r>
+              <a:rPr lang="en-AU" dirty="0">
+                <a:hlinkClick r:id="rId9"/>
+              </a:rPr>
+              <a:t>https://osf.io/4kc9g/</a:t>
+            </a:r>
+            <a:endParaRPr lang="en-AU" dirty="0"/>
+          </a:p>
+          <a:p>
+            <a:r>
+              <a:rPr lang="en-AU" dirty="0"/>
+              <a:t>Horwood, S. &amp; Anglim, J. (2018). Personality and Problematic Smartphone Use: A Facet-Level Analysis using the Five Factor Model and HEXACO Frameworks. </a:t>
+            </a:r>
+            <a:r>
+              <a:rPr lang="en-AU" i="1" dirty="0"/>
+              <a:t>Computers in Human </a:t>
+            </a:r>
+            <a:r>
+              <a:rPr lang="en-AU" i="1" dirty="0" err="1"/>
+              <a:t>Behavior</a:t>
+            </a:r>
+            <a:r>
+              <a:rPr lang="en-AU" i="1" dirty="0"/>
+              <a:t>, 85, </a:t>
+            </a:r>
+            <a:r>
+              <a:rPr lang="en-AU" dirty="0"/>
+              <a:t>349-359. </a:t>
+            </a:r>
+            <a:r>
+              <a:rPr lang="en-AU" dirty="0">
+                <a:hlinkClick r:id="rId10"/>
+              </a:rPr>
+              <a:t>https://osf.io/nxv7z/</a:t>
+            </a:r>
+            <a:endParaRPr lang="en-AU" dirty="0"/>
+          </a:p>
+          <a:p>
+            <a:endParaRPr lang="en-AU" dirty="0"/>
+          </a:p>
+          <a:p>
+            <a:endParaRPr lang="en-AU" dirty="0"/>
+          </a:p>
+          <a:p>
+            <a:endParaRPr lang="en-AU" dirty="0"/>
+          </a:p>
+          <a:p>
+            <a:endParaRPr lang="en-US" dirty="0"/>
+          </a:p>
+        </p:txBody>
+      </p:sp>
+    </p:spTree>
+    <p:extLst>
+      <p:ext uri="{BB962C8B-B14F-4D97-AF65-F5344CB8AC3E}">
+        <p14:creationId xmlns:p14="http://schemas.microsoft.com/office/powerpoint/2010/main" val="1998102336"/>
+      </p:ext>
+    </p:extLst>
+  </p:cSld>
+  <p:clrMapOvr>
+    <a:masterClrMapping/>
+  </p:clrMapOvr>
+</p:sld>
+</file>
+
+<file path=ppt/slides/slide24.xml><?xml version="1.0" encoding="utf-8"?>
 <p:sld xmlns:a="http://schemas.openxmlformats.org/drawingml/2006/main" xmlns:r="http://schemas.openxmlformats.org/officeDocument/2006/relationships" xmlns:p="http://schemas.openxmlformats.org/presentationml/2006/main">
   <p:cSld>
     <p:spTree>
@@ -7520,7 +7853,7 @@
 </p:sld>
 </file>
 
-<file path=ppt/slides/slide24.xml><?xml version="1.0" encoding="utf-8"?>
+<file path=ppt/slides/slide25.xml><?xml version="1.0" encoding="utf-8"?>
 <p:sld xmlns:a="http://schemas.openxmlformats.org/drawingml/2006/main" xmlns:r="http://schemas.openxmlformats.org/officeDocument/2006/relationships" xmlns:p="http://schemas.openxmlformats.org/presentationml/2006/main">
   <p:cSld>
     <p:spTree>
@@ -7727,7 +8060,7 @@
 </p:sld>
 </file>
 
-<file path=ppt/slides/slide25.xml><?xml version="1.0" encoding="utf-8"?>
+<file path=ppt/slides/slide26.xml><?xml version="1.0" encoding="utf-8"?>
 <p:sld xmlns:a="http://schemas.openxmlformats.org/drawingml/2006/main" xmlns:r="http://schemas.openxmlformats.org/officeDocument/2006/relationships" xmlns:p="http://schemas.openxmlformats.org/presentationml/2006/main">
   <p:cSld>
     <p:spTree>
@@ -7897,7 +8230,7 @@
 </p:sld>
 </file>
 
-<file path=ppt/slides/slide26.xml><?xml version="1.0" encoding="utf-8"?>
+<file path=ppt/slides/slide27.xml><?xml version="1.0" encoding="utf-8"?>
 <p:sld xmlns:a="http://schemas.openxmlformats.org/drawingml/2006/main" xmlns:r="http://schemas.openxmlformats.org/officeDocument/2006/relationships" xmlns:p="http://schemas.openxmlformats.org/presentationml/2006/main">
   <p:cSld>
     <p:spTree>
